--- a/Прогнозування розміру доходів.pptx
+++ b/Прогнозування розміру доходів.pptx
@@ -117,6 +117,11 @@
       </a:defRPr>
     </a:lvl9pPr>
   </p:defaultTextStyle>
+  <p:extLst>
+    <p:ext uri="{EFAFB233-063F-42B5-8137-9DF3F51BA10A}">
+      <p15:sldGuideLst xmlns:p15="http://schemas.microsoft.com/office/powerpoint/2012/main"/>
+    </p:ext>
+  </p:extLst>
 </p:presentation>
 </file>
 
@@ -4280,14 +4285,16 @@
       </p:grpSpPr>
       <p:pic>
         <p:nvPicPr>
-          <p:cNvPr id="4" name="Picture 3">
+          <p:cNvPr id="2" name="Picture 1">
             <a:extLst>
               <a:ext uri="{FF2B5EF4-FFF2-40B4-BE49-F238E27FC236}">
-                <a16:creationId xmlns:a16="http://schemas.microsoft.com/office/drawing/2014/main" id="{D14171B1-7F76-4B2D-BF8B-38778A5AAD8B}"/>
+                <a16:creationId xmlns:a16="http://schemas.microsoft.com/office/drawing/2014/main" id="{7DEE8141-9FDB-421C-A498-968232034E46}"/>
               </a:ext>
             </a:extLst>
           </p:cNvPr>
-          <p:cNvPicPr/>
+          <p:cNvPicPr>
+            <a:picLocks noChangeAspect="1"/>
+          </p:cNvPicPr>
           <p:nvPr/>
         </p:nvPicPr>
         <p:blipFill>
@@ -4298,8 +4305,8 @@
         </p:blipFill>
         <p:spPr>
           <a:xfrm>
-            <a:off x="2247855" y="0"/>
-            <a:ext cx="7481599" cy="1914698"/>
+            <a:off x="346364" y="341169"/>
+            <a:ext cx="7381875" cy="3448050"/>
           </a:xfrm>
           <a:prstGeom prst="rect">
             <a:avLst/>
@@ -4333,7 +4340,7 @@
         </p:blipFill>
         <p:spPr bwMode="auto">
           <a:xfrm>
-            <a:off x="1606982" y="2279073"/>
+            <a:off x="2950672" y="2084244"/>
             <a:ext cx="8763347" cy="3805555"/>
           </a:xfrm>
           <a:prstGeom prst="rect">
